--- a/Portfolio.pptx
+++ b/Portfolio.pptx
@@ -8,6 +8,12 @@
     <p:sldId id="256" r:id="rId2"/>
     <p:sldId id="257" r:id="rId3"/>
     <p:sldId id="258" r:id="rId4"/>
+    <p:sldId id="259" r:id="rId5"/>
+    <p:sldId id="260" r:id="rId6"/>
+    <p:sldId id="261" r:id="rId7"/>
+    <p:sldId id="262" r:id="rId8"/>
+    <p:sldId id="263" r:id="rId9"/>
+    <p:sldId id="264" r:id="rId10"/>
   </p:sldIdLst>
   <p:sldSz cx="9144000" cy="6858000" type="screen4x3"/>
   <p:notesSz cx="6858000" cy="9144000"/>
@@ -2813,7 +2819,7 @@
       </p:ext>
     </p:extLst>
   </p:cSld>
-  <p:clrMap bg1="dk1" tx1="lt1" bg2="dk2" tx2="lt2" accent1="accent1" accent2="accent2" accent3="accent3" accent4="accent4" accent5="accent5" accent6="accent6" hlink="hlink" folHlink="folHlink"/>
+  <p:clrMap bg1="lt1" tx1="dk1" bg2="lt2" tx2="dk2" accent1="accent1" accent2="accent2" accent3="accent3" accent4="accent4" accent5="accent5" accent6="accent6" hlink="hlink" folHlink="folHlink"/>
   <p:sldLayoutIdLst>
     <p:sldLayoutId id="2147483649" r:id="rId1"/>
     <p:sldLayoutId id="2147483650" r:id="rId2"/>
@@ -9838,6 +9844,614 @@
 </p:sld>
 </file>
 
+<file path=ppt/slides/slide4.xml><?xml version="1.0" encoding="utf-8"?>
+<p:sld xmlns:a="http://schemas.openxmlformats.org/drawingml/2006/main" xmlns:r="http://schemas.openxmlformats.org/officeDocument/2006/relationships" xmlns:p="http://schemas.openxmlformats.org/presentationml/2006/main">
+  <p:cSld>
+    <p:spTree>
+      <p:nvGrpSpPr>
+        <p:cNvPr id="1" name=""/>
+        <p:cNvGrpSpPr/>
+        <p:nvPr/>
+      </p:nvGrpSpPr>
+      <p:grpSpPr>
+        <a:xfrm>
+          <a:off x="0" y="0"/>
+          <a:ext cx="0" cy="0"/>
+          <a:chOff x="0" y="0"/>
+          <a:chExt cx="0" cy="0"/>
+        </a:xfrm>
+      </p:grpSpPr>
+      <p:sp>
+        <p:nvSpPr>
+          <p:cNvPr id="2" name="제목 1"/>
+          <p:cNvSpPr>
+            <a:spLocks noGrp="1"/>
+          </p:cNvSpPr>
+          <p:nvPr>
+            <p:ph type="ctrTitle"/>
+          </p:nvPr>
+        </p:nvSpPr>
+        <p:spPr/>
+        <p:txBody>
+          <a:bodyPr/>
+          <a:lstStyle/>
+          <a:p>
+            <a:r>
+              <a:rPr lang="en-US" altLang="ko-KR" b="1" dirty="0">
+                <a:solidFill>
+                  <a:schemeClr val="accent6">
+                    <a:lumMod val="75000"/>
+                  </a:schemeClr>
+                </a:solidFill>
+                <a:latin typeface="Cambria Math" panose="02040503050406030204" pitchFamily="18" charset="0"/>
+              </a:rPr>
+              <a:t>D</a:t>
+            </a:r>
+            <a:r>
+              <a:rPr lang="en-US" altLang="ko-KR" b="1" dirty="0" smtClean="0">
+                <a:solidFill>
+                  <a:schemeClr val="accent6">
+                    <a:lumMod val="75000"/>
+                  </a:schemeClr>
+                </a:solidFill>
+                <a:latin typeface="Cambria Math" panose="02040503050406030204" pitchFamily="18" charset="0"/>
+              </a:rPr>
+              <a:t>esign</a:t>
+            </a:r>
+            <a:endParaRPr lang="ko-KR" altLang="en-US" b="1" dirty="0">
+              <a:solidFill>
+                <a:schemeClr val="accent6">
+                  <a:lumMod val="75000"/>
+                </a:schemeClr>
+              </a:solidFill>
+              <a:latin typeface="Cambria Math" panose="02040503050406030204" pitchFamily="18" charset="0"/>
+            </a:endParaRPr>
+          </a:p>
+        </p:txBody>
+      </p:sp>
+      <p:sp>
+        <p:nvSpPr>
+          <p:cNvPr id="3" name="부제목 2"/>
+          <p:cNvSpPr>
+            <a:spLocks noGrp="1"/>
+          </p:cNvSpPr>
+          <p:nvPr>
+            <p:ph type="subTitle" idx="1"/>
+          </p:nvPr>
+        </p:nvSpPr>
+        <p:spPr/>
+        <p:txBody>
+          <a:bodyPr/>
+          <a:lstStyle/>
+          <a:p>
+            <a:r>
+              <a:rPr lang="en-US" altLang="ko-KR" b="1" dirty="0" smtClean="0">
+                <a:solidFill>
+                  <a:schemeClr val="accent6">
+                    <a:lumMod val="75000"/>
+                  </a:schemeClr>
+                </a:solidFill>
+                <a:latin typeface="Cambria Math" panose="02040503050406030204" pitchFamily="18" charset="0"/>
+                <a:ea typeface="Cambria Math" panose="02040503050406030204" pitchFamily="18" charset="0"/>
+              </a:rPr>
+              <a:t>Web contents Portfolio</a:t>
+            </a:r>
+            <a:endParaRPr lang="ko-KR" altLang="en-US" b="1" dirty="0">
+              <a:solidFill>
+                <a:schemeClr val="accent6">
+                  <a:lumMod val="75000"/>
+                </a:schemeClr>
+              </a:solidFill>
+              <a:latin typeface="Cambria Math" panose="02040503050406030204" pitchFamily="18" charset="0"/>
+            </a:endParaRPr>
+          </a:p>
+        </p:txBody>
+      </p:sp>
+    </p:spTree>
+    <p:extLst>
+      <p:ext uri="{BB962C8B-B14F-4D97-AF65-F5344CB8AC3E}">
+        <p14:creationId xmlns:p14="http://schemas.microsoft.com/office/powerpoint/2010/main" val="1860986544"/>
+      </p:ext>
+    </p:extLst>
+  </p:cSld>
+  <p:clrMapOvr>
+    <a:masterClrMapping/>
+  </p:clrMapOvr>
+  <p:timing>
+    <p:tnLst>
+      <p:par>
+        <p:cTn id="1" dur="indefinite" restart="never" nodeType="tmRoot"/>
+      </p:par>
+    </p:tnLst>
+  </p:timing>
+</p:sld>
+</file>
+
+<file path=ppt/slides/slide5.xml><?xml version="1.0" encoding="utf-8"?>
+<p:sld xmlns:a="http://schemas.openxmlformats.org/drawingml/2006/main" xmlns:r="http://schemas.openxmlformats.org/officeDocument/2006/relationships" xmlns:p="http://schemas.openxmlformats.org/presentationml/2006/main">
+  <p:cSld>
+    <p:spTree>
+      <p:nvGrpSpPr>
+        <p:cNvPr id="1" name=""/>
+        <p:cNvGrpSpPr/>
+        <p:nvPr/>
+      </p:nvGrpSpPr>
+      <p:grpSpPr>
+        <a:xfrm>
+          <a:off x="0" y="0"/>
+          <a:ext cx="0" cy="0"/>
+          <a:chOff x="0" y="0"/>
+          <a:chExt cx="0" cy="0"/>
+        </a:xfrm>
+      </p:grpSpPr>
+      <p:pic>
+        <p:nvPicPr>
+          <p:cNvPr id="6" name="그림 5"/>
+          <p:cNvPicPr>
+            <a:picLocks noChangeAspect="1"/>
+          </p:cNvPicPr>
+          <p:nvPr/>
+        </p:nvPicPr>
+        <p:blipFill>
+          <a:blip r:embed="rId2" cstate="print">
+            <a:extLst>
+              <a:ext uri="{28A0092B-C50C-407E-A947-70E740481C1C}">
+                <a14:useLocalDpi xmlns:a14="http://schemas.microsoft.com/office/drawing/2010/main" val="0"/>
+              </a:ext>
+            </a:extLst>
+          </a:blip>
+          <a:stretch>
+            <a:fillRect/>
+          </a:stretch>
+        </p:blipFill>
+        <p:spPr>
+          <a:xfrm>
+            <a:off x="0" y="-228600"/>
+            <a:ext cx="9162510" cy="7330008"/>
+          </a:xfrm>
+          <a:prstGeom prst="rect">
+            <a:avLst/>
+          </a:prstGeom>
+        </p:spPr>
+      </p:pic>
+      <p:sp>
+        <p:nvSpPr>
+          <p:cNvPr id="8" name="TextBox 7"/>
+          <p:cNvSpPr txBox="1"/>
+          <p:nvPr/>
+        </p:nvSpPr>
+        <p:spPr>
+          <a:xfrm>
+            <a:off x="4285133" y="5651956"/>
+            <a:ext cx="718915" cy="369332"/>
+          </a:xfrm>
+          <a:prstGeom prst="rect">
+            <a:avLst/>
+          </a:prstGeom>
+          <a:noFill/>
+        </p:spPr>
+        <p:txBody>
+          <a:bodyPr wrap="none" rtlCol="0">
+            <a:spAutoFit/>
+          </a:bodyPr>
+          <a:lstStyle/>
+          <a:p>
+            <a:r>
+              <a:rPr lang="en-US" altLang="ko-KR" b="1" dirty="0" smtClean="0"/>
+              <a:t>Intro</a:t>
+            </a:r>
+            <a:endParaRPr lang="ko-KR" altLang="en-US" b="1" dirty="0"/>
+          </a:p>
+        </p:txBody>
+      </p:sp>
+    </p:spTree>
+    <p:extLst>
+      <p:ext uri="{BB962C8B-B14F-4D97-AF65-F5344CB8AC3E}">
+        <p14:creationId xmlns:p14="http://schemas.microsoft.com/office/powerpoint/2010/main" val="3436664141"/>
+      </p:ext>
+    </p:extLst>
+  </p:cSld>
+  <p:clrMapOvr>
+    <a:masterClrMapping/>
+  </p:clrMapOvr>
+  <p:timing>
+    <p:tnLst>
+      <p:par>
+        <p:cTn id="1" dur="indefinite" restart="never" nodeType="tmRoot"/>
+      </p:par>
+    </p:tnLst>
+  </p:timing>
+</p:sld>
+</file>
+
+<file path=ppt/slides/slide6.xml><?xml version="1.0" encoding="utf-8"?>
+<p:sld xmlns:a="http://schemas.openxmlformats.org/drawingml/2006/main" xmlns:r="http://schemas.openxmlformats.org/officeDocument/2006/relationships" xmlns:p="http://schemas.openxmlformats.org/presentationml/2006/main">
+  <p:cSld>
+    <p:spTree>
+      <p:nvGrpSpPr>
+        <p:cNvPr id="1" name=""/>
+        <p:cNvGrpSpPr/>
+        <p:nvPr/>
+      </p:nvGrpSpPr>
+      <p:grpSpPr>
+        <a:xfrm>
+          <a:off x="0" y="0"/>
+          <a:ext cx="0" cy="0"/>
+          <a:chOff x="0" y="0"/>
+          <a:chExt cx="0" cy="0"/>
+        </a:xfrm>
+      </p:grpSpPr>
+      <p:pic>
+        <p:nvPicPr>
+          <p:cNvPr id="3" name="그림 2"/>
+          <p:cNvPicPr>
+            <a:picLocks noChangeAspect="1"/>
+          </p:cNvPicPr>
+          <p:nvPr/>
+        </p:nvPicPr>
+        <p:blipFill>
+          <a:blip r:embed="rId2" cstate="print">
+            <a:extLst>
+              <a:ext uri="{28A0092B-C50C-407E-A947-70E740481C1C}">
+                <a14:useLocalDpi xmlns:a14="http://schemas.microsoft.com/office/drawing/2010/main" val="0"/>
+              </a:ext>
+            </a:extLst>
+          </a:blip>
+          <a:stretch>
+            <a:fillRect/>
+          </a:stretch>
+        </p:blipFill>
+        <p:spPr>
+          <a:xfrm>
+            <a:off x="0" y="-228600"/>
+            <a:ext cx="9144000" cy="7315200"/>
+          </a:xfrm>
+          <a:prstGeom prst="rect">
+            <a:avLst/>
+          </a:prstGeom>
+        </p:spPr>
+      </p:pic>
+      <p:sp>
+        <p:nvSpPr>
+          <p:cNvPr id="4" name="TextBox 3"/>
+          <p:cNvSpPr txBox="1"/>
+          <p:nvPr/>
+        </p:nvSpPr>
+        <p:spPr>
+          <a:xfrm>
+            <a:off x="4211960" y="5651956"/>
+            <a:ext cx="862737" cy="369332"/>
+          </a:xfrm>
+          <a:prstGeom prst="rect">
+            <a:avLst/>
+          </a:prstGeom>
+          <a:noFill/>
+        </p:spPr>
+        <p:txBody>
+          <a:bodyPr wrap="none" rtlCol="0">
+            <a:spAutoFit/>
+          </a:bodyPr>
+          <a:lstStyle/>
+          <a:p>
+            <a:r>
+              <a:rPr lang="en-US" altLang="ko-KR" b="1" dirty="0" smtClean="0"/>
+              <a:t>About</a:t>
+            </a:r>
+            <a:endParaRPr lang="ko-KR" altLang="en-US" b="1" dirty="0"/>
+          </a:p>
+        </p:txBody>
+      </p:sp>
+    </p:spTree>
+    <p:extLst>
+      <p:ext uri="{BB962C8B-B14F-4D97-AF65-F5344CB8AC3E}">
+        <p14:creationId xmlns:p14="http://schemas.microsoft.com/office/powerpoint/2010/main" val="1796535424"/>
+      </p:ext>
+    </p:extLst>
+  </p:cSld>
+  <p:clrMapOvr>
+    <a:masterClrMapping/>
+  </p:clrMapOvr>
+  <p:timing>
+    <p:tnLst>
+      <p:par>
+        <p:cTn id="1" dur="indefinite" restart="never" nodeType="tmRoot"/>
+      </p:par>
+    </p:tnLst>
+  </p:timing>
+</p:sld>
+</file>
+
+<file path=ppt/slides/slide7.xml><?xml version="1.0" encoding="utf-8"?>
+<p:sld xmlns:a="http://schemas.openxmlformats.org/drawingml/2006/main" xmlns:r="http://schemas.openxmlformats.org/officeDocument/2006/relationships" xmlns:p="http://schemas.openxmlformats.org/presentationml/2006/main">
+  <p:cSld>
+    <p:spTree>
+      <p:nvGrpSpPr>
+        <p:cNvPr id="1" name=""/>
+        <p:cNvGrpSpPr/>
+        <p:nvPr/>
+      </p:nvGrpSpPr>
+      <p:grpSpPr>
+        <a:xfrm>
+          <a:off x="0" y="0"/>
+          <a:ext cx="0" cy="0"/>
+          <a:chOff x="0" y="0"/>
+          <a:chExt cx="0" cy="0"/>
+        </a:xfrm>
+      </p:grpSpPr>
+      <p:pic>
+        <p:nvPicPr>
+          <p:cNvPr id="4" name="그림 3"/>
+          <p:cNvPicPr>
+            <a:picLocks noChangeAspect="1"/>
+          </p:cNvPicPr>
+          <p:nvPr/>
+        </p:nvPicPr>
+        <p:blipFill>
+          <a:blip r:embed="rId2" cstate="print">
+            <a:extLst>
+              <a:ext uri="{28A0092B-C50C-407E-A947-70E740481C1C}">
+                <a14:useLocalDpi xmlns:a14="http://schemas.microsoft.com/office/drawing/2010/main" val="0"/>
+              </a:ext>
+            </a:extLst>
+          </a:blip>
+          <a:stretch>
+            <a:fillRect/>
+          </a:stretch>
+        </p:blipFill>
+        <p:spPr>
+          <a:xfrm>
+            <a:off x="-18510" y="-243408"/>
+            <a:ext cx="9162510" cy="7330008"/>
+          </a:xfrm>
+          <a:prstGeom prst="rect">
+            <a:avLst/>
+          </a:prstGeom>
+        </p:spPr>
+      </p:pic>
+      <p:sp>
+        <p:nvSpPr>
+          <p:cNvPr id="5" name="TextBox 4"/>
+          <p:cNvSpPr txBox="1"/>
+          <p:nvPr/>
+        </p:nvSpPr>
+        <p:spPr>
+          <a:xfrm>
+            <a:off x="3707904" y="5627731"/>
+            <a:ext cx="1727652" cy="369332"/>
+          </a:xfrm>
+          <a:prstGeom prst="rect">
+            <a:avLst/>
+          </a:prstGeom>
+          <a:noFill/>
+        </p:spPr>
+        <p:txBody>
+          <a:bodyPr wrap="none" rtlCol="0">
+            <a:spAutoFit/>
+          </a:bodyPr>
+          <a:lstStyle/>
+          <a:p>
+            <a:r>
+              <a:rPr lang="en-US" altLang="ko-KR" b="1" dirty="0" smtClean="0"/>
+              <a:t>Web Portfolio</a:t>
+            </a:r>
+            <a:endParaRPr lang="ko-KR" altLang="en-US" b="1" dirty="0"/>
+          </a:p>
+        </p:txBody>
+      </p:sp>
+    </p:spTree>
+    <p:extLst>
+      <p:ext uri="{BB962C8B-B14F-4D97-AF65-F5344CB8AC3E}">
+        <p14:creationId xmlns:p14="http://schemas.microsoft.com/office/powerpoint/2010/main" val="315269716"/>
+      </p:ext>
+    </p:extLst>
+  </p:cSld>
+  <p:clrMapOvr>
+    <a:masterClrMapping/>
+  </p:clrMapOvr>
+  <p:timing>
+    <p:tnLst>
+      <p:par>
+        <p:cTn id="1" dur="indefinite" restart="never" nodeType="tmRoot"/>
+      </p:par>
+    </p:tnLst>
+  </p:timing>
+</p:sld>
+</file>
+
+<file path=ppt/slides/slide8.xml><?xml version="1.0" encoding="utf-8"?>
+<p:sld xmlns:a="http://schemas.openxmlformats.org/drawingml/2006/main" xmlns:r="http://schemas.openxmlformats.org/officeDocument/2006/relationships" xmlns:p="http://schemas.openxmlformats.org/presentationml/2006/main">
+  <p:cSld>
+    <p:spTree>
+      <p:nvGrpSpPr>
+        <p:cNvPr id="1" name=""/>
+        <p:cNvGrpSpPr/>
+        <p:nvPr/>
+      </p:nvGrpSpPr>
+      <p:grpSpPr>
+        <a:xfrm>
+          <a:off x="0" y="0"/>
+          <a:ext cx="0" cy="0"/>
+          <a:chOff x="0" y="0"/>
+          <a:chExt cx="0" cy="0"/>
+        </a:xfrm>
+      </p:grpSpPr>
+      <p:pic>
+        <p:nvPicPr>
+          <p:cNvPr id="2" name="그림 1"/>
+          <p:cNvPicPr>
+            <a:picLocks noChangeAspect="1"/>
+          </p:cNvPicPr>
+          <p:nvPr/>
+        </p:nvPicPr>
+        <p:blipFill>
+          <a:blip r:embed="rId2" cstate="print">
+            <a:extLst>
+              <a:ext uri="{28A0092B-C50C-407E-A947-70E740481C1C}">
+                <a14:useLocalDpi xmlns:a14="http://schemas.microsoft.com/office/drawing/2010/main" val="0"/>
+              </a:ext>
+            </a:extLst>
+          </a:blip>
+          <a:stretch>
+            <a:fillRect/>
+          </a:stretch>
+        </p:blipFill>
+        <p:spPr>
+          <a:xfrm>
+            <a:off x="-18510" y="-243408"/>
+            <a:ext cx="9162510" cy="7330008"/>
+          </a:xfrm>
+          <a:prstGeom prst="rect">
+            <a:avLst/>
+          </a:prstGeom>
+        </p:spPr>
+      </p:pic>
+      <p:sp>
+        <p:nvSpPr>
+          <p:cNvPr id="5" name="TextBox 4"/>
+          <p:cNvSpPr txBox="1"/>
+          <p:nvPr/>
+        </p:nvSpPr>
+        <p:spPr>
+          <a:xfrm>
+            <a:off x="4139952" y="5651956"/>
+            <a:ext cx="939681" cy="369332"/>
+          </a:xfrm>
+          <a:prstGeom prst="rect">
+            <a:avLst/>
+          </a:prstGeom>
+          <a:noFill/>
+        </p:spPr>
+        <p:txBody>
+          <a:bodyPr wrap="none" rtlCol="0">
+            <a:spAutoFit/>
+          </a:bodyPr>
+          <a:lstStyle/>
+          <a:p>
+            <a:r>
+              <a:rPr lang="en-US" altLang="ko-KR" b="1" dirty="0" smtClean="0"/>
+              <a:t>Design</a:t>
+            </a:r>
+            <a:endParaRPr lang="ko-KR" altLang="en-US" b="1" dirty="0"/>
+          </a:p>
+        </p:txBody>
+      </p:sp>
+    </p:spTree>
+    <p:extLst>
+      <p:ext uri="{BB962C8B-B14F-4D97-AF65-F5344CB8AC3E}">
+        <p14:creationId xmlns:p14="http://schemas.microsoft.com/office/powerpoint/2010/main" val="135198817"/>
+      </p:ext>
+    </p:extLst>
+  </p:cSld>
+  <p:clrMapOvr>
+    <a:masterClrMapping/>
+  </p:clrMapOvr>
+  <p:timing>
+    <p:tnLst>
+      <p:par>
+        <p:cTn id="1" dur="indefinite" restart="never" nodeType="tmRoot"/>
+      </p:par>
+    </p:tnLst>
+  </p:timing>
+</p:sld>
+</file>
+
+<file path=ppt/slides/slide9.xml><?xml version="1.0" encoding="utf-8"?>
+<p:sld xmlns:a="http://schemas.openxmlformats.org/drawingml/2006/main" xmlns:r="http://schemas.openxmlformats.org/officeDocument/2006/relationships" xmlns:p="http://schemas.openxmlformats.org/presentationml/2006/main">
+  <p:cSld>
+    <p:spTree>
+      <p:nvGrpSpPr>
+        <p:cNvPr id="1" name=""/>
+        <p:cNvGrpSpPr/>
+        <p:nvPr/>
+      </p:nvGrpSpPr>
+      <p:grpSpPr>
+        <a:xfrm>
+          <a:off x="0" y="0"/>
+          <a:ext cx="0" cy="0"/>
+          <a:chOff x="0" y="0"/>
+          <a:chExt cx="0" cy="0"/>
+        </a:xfrm>
+      </p:grpSpPr>
+      <p:pic>
+        <p:nvPicPr>
+          <p:cNvPr id="2" name="그림 1"/>
+          <p:cNvPicPr>
+            <a:picLocks noChangeAspect="1"/>
+          </p:cNvPicPr>
+          <p:nvPr/>
+        </p:nvPicPr>
+        <p:blipFill>
+          <a:blip r:embed="rId2" cstate="print">
+            <a:extLst>
+              <a:ext uri="{28A0092B-C50C-407E-A947-70E740481C1C}">
+                <a14:useLocalDpi xmlns:a14="http://schemas.microsoft.com/office/drawing/2010/main" val="0"/>
+              </a:ext>
+            </a:extLst>
+          </a:blip>
+          <a:stretch>
+            <a:fillRect/>
+          </a:stretch>
+        </p:blipFill>
+        <p:spPr>
+          <a:xfrm>
+            <a:off x="-18510" y="-243408"/>
+            <a:ext cx="9162510" cy="7330008"/>
+          </a:xfrm>
+          <a:prstGeom prst="rect">
+            <a:avLst/>
+          </a:prstGeom>
+        </p:spPr>
+      </p:pic>
+      <p:sp>
+        <p:nvSpPr>
+          <p:cNvPr id="5" name="TextBox 4"/>
+          <p:cNvSpPr txBox="1"/>
+          <p:nvPr/>
+        </p:nvSpPr>
+        <p:spPr>
+          <a:xfrm>
+            <a:off x="4067944" y="5651956"/>
+            <a:ext cx="1029449" cy="369332"/>
+          </a:xfrm>
+          <a:prstGeom prst="rect">
+            <a:avLst/>
+          </a:prstGeom>
+          <a:noFill/>
+        </p:spPr>
+        <p:txBody>
+          <a:bodyPr wrap="none" rtlCol="0">
+            <a:spAutoFit/>
+          </a:bodyPr>
+          <a:lstStyle/>
+          <a:p>
+            <a:r>
+              <a:rPr lang="en-US" altLang="ko-KR" b="1" dirty="0" smtClean="0"/>
+              <a:t>Contact</a:t>
+            </a:r>
+            <a:endParaRPr lang="ko-KR" altLang="en-US" b="1" dirty="0"/>
+          </a:p>
+        </p:txBody>
+      </p:sp>
+    </p:spTree>
+    <p:extLst>
+      <p:ext uri="{BB962C8B-B14F-4D97-AF65-F5344CB8AC3E}">
+        <p14:creationId xmlns:p14="http://schemas.microsoft.com/office/powerpoint/2010/main" val="135198817"/>
+      </p:ext>
+    </p:extLst>
+  </p:cSld>
+  <p:clrMapOvr>
+    <a:masterClrMapping/>
+  </p:clrMapOvr>
+  <p:timing>
+    <p:tnLst>
+      <p:par>
+        <p:cTn id="1" dur="indefinite" restart="never" nodeType="tmRoot"/>
+      </p:par>
+    </p:tnLst>
+  </p:timing>
+</p:sld>
+</file>
+
 <file path=ppt/theme/theme1.xml><?xml version="1.0" encoding="utf-8"?>
 <a:theme xmlns:a="http://schemas.openxmlformats.org/drawingml/2006/main" name="Office 테마">
   <a:themeElements>
